--- a/Milestone_2.pptx
+++ b/Milestone_2.pptx
@@ -3781,6 +3781,13 @@
   <p:clrMapOvr>
     <a:masterClrMapping/>
   </p:clrMapOvr>
+  <p:timing>
+    <p:tnLst>
+      <p:par>
+        <p:cTn xmlns:p14="http://schemas.microsoft.com/office/powerpoint/2010/main" id="1" dur="indefinite" restart="never" nodeType="tmRoot"/>
+      </p:par>
+    </p:tnLst>
+  </p:timing>
 </p:sld>
 </file>
 
@@ -3834,15 +3841,126 @@
             <p:ph idx="1"/>
           </p:nvPr>
         </p:nvSpPr>
-        <p:spPr/>
-        <p:txBody>
-          <a:bodyPr/>
+        <p:spPr>
+          <a:xfrm>
+            <a:off x="549275" y="1572892"/>
+            <a:ext cx="8042276" cy="3984512"/>
+          </a:xfrm>
+        </p:spPr>
+        <p:txBody>
+          <a:bodyPr>
+            <a:normAutofit/>
+          </a:bodyPr>
           <a:lstStyle/>
           <a:p>
             <a:r>
               <a:rPr lang="en-US" dirty="0" smtClean="0"/>
-              <a:t>Restyle CSS </a:t>
-            </a:r>
+              <a:t>Restyle solution project (Umberto)</a:t>
+            </a:r>
+          </a:p>
+          <a:p>
+            <a:r>
+              <a:rPr lang="en-US" dirty="0" smtClean="0"/>
+              <a:t>Started mastery exercise: </a:t>
+            </a:r>
+            <a:r>
+              <a:rPr lang="en-US" dirty="0" err="1"/>
+              <a:t>s</a:t>
+            </a:r>
+            <a:r>
+              <a:rPr lang="en-US" dirty="0" err="1" smtClean="0"/>
+              <a:t>ingup</a:t>
+            </a:r>
+            <a:r>
+              <a:rPr lang="en-US" dirty="0" smtClean="0"/>
+              <a:t> </a:t>
+            </a:r>
+            <a:r>
+              <a:rPr lang="en-US" dirty="0"/>
+              <a:t>and login </a:t>
+            </a:r>
+            <a:r>
+              <a:rPr lang="en-US" dirty="0" smtClean="0"/>
+              <a:t>(</a:t>
+            </a:r>
+            <a:r>
+              <a:rPr lang="en-US" dirty="0" err="1" smtClean="0"/>
+              <a:t>Annamaria</a:t>
+            </a:r>
+            <a:r>
+              <a:rPr lang="en-US" dirty="0" smtClean="0"/>
+              <a:t>) </a:t>
+            </a:r>
+            <a:r>
+              <a:rPr lang="en-US" dirty="0" smtClean="0">
+                <a:sym typeface="Wingdings"/>
+              </a:rPr>
+              <a:t> To be </a:t>
+            </a:r>
+            <a:r>
+              <a:rPr lang="en-US" dirty="0" smtClean="0">
+                <a:sym typeface="Wingdings"/>
+              </a:rPr>
+              <a:t>finished</a:t>
+            </a:r>
+            <a:endParaRPr lang="en-US" dirty="0" smtClean="0"/>
+          </a:p>
+          <a:p>
+            <a:r>
+              <a:rPr lang="en-US" dirty="0"/>
+              <a:t>Fill the library (</a:t>
+            </a:r>
+            <a:r>
+              <a:rPr lang="en-US" dirty="0" err="1"/>
+              <a:t>Viktorija</a:t>
+            </a:r>
+            <a:r>
+              <a:rPr lang="en-US" dirty="0" smtClean="0"/>
+              <a:t>)</a:t>
+            </a:r>
+          </a:p>
+          <a:p>
+            <a:r>
+              <a:rPr lang="en-US" dirty="0" smtClean="0"/>
+              <a:t>Merge everything (Jelena)</a:t>
+            </a:r>
+          </a:p>
+          <a:p>
+            <a:r>
+              <a:rPr lang="en-US" dirty="0" smtClean="0"/>
+              <a:t>Functions </a:t>
+            </a:r>
+            <a:r>
+              <a:rPr lang="en-US" dirty="0"/>
+              <a:t>next/previous song (</a:t>
+            </a:r>
+            <a:r>
+              <a:rPr lang="en-US" dirty="0" err="1"/>
+              <a:t>Dejan</a:t>
+            </a:r>
+            <a:r>
+              <a:rPr lang="en-US" dirty="0" smtClean="0"/>
+              <a:t>)</a:t>
+            </a:r>
+            <a:r>
+              <a:rPr lang="en-US" dirty="0">
+                <a:sym typeface="Wingdings"/>
+              </a:rPr>
+              <a:t>  To be finished</a:t>
+            </a:r>
+            <a:endParaRPr lang="en-US" dirty="0"/>
+          </a:p>
+          <a:p>
+            <a:pPr marL="0" indent="0">
+              <a:buNone/>
+            </a:pPr>
+            <a:endParaRPr lang="en-US" dirty="0"/>
+          </a:p>
+          <a:p>
+            <a:endParaRPr lang="en-US" dirty="0"/>
+          </a:p>
+          <a:p>
+            <a:endParaRPr lang="en-US" dirty="0" smtClean="0"/>
           </a:p>
           <a:p>
             <a:endParaRPr lang="en-US" dirty="0" smtClean="0"/>
@@ -3862,6 +3980,13 @@
   <p:clrMapOvr>
     <a:masterClrMapping/>
   </p:clrMapOvr>
+  <p:timing>
+    <p:tnLst>
+      <p:par>
+        <p:cTn xmlns:p14="http://schemas.microsoft.com/office/powerpoint/2010/main" id="1" dur="indefinite" restart="never" nodeType="tmRoot"/>
+      </p:par>
+    </p:tnLst>
+  </p:timing>
 </p:sld>
 </file>
 
@@ -3917,7 +4042,9 @@
         </p:nvSpPr>
         <p:spPr/>
         <p:txBody>
-          <a:bodyPr/>
+          <a:bodyPr>
+            <a:normAutofit/>
+          </a:bodyPr>
           <a:lstStyle/>
           <a:p>
             <a:pPr marL="0" indent="0">
@@ -3935,19 +4062,7 @@
             </a:pPr>
             <a:r>
               <a:rPr lang="en-US" dirty="0" smtClean="0"/>
-              <a:t>Continuous shuffle playback (</a:t>
-            </a:r>
-            <a:r>
-              <a:rPr lang="en-US" dirty="0" err="1"/>
-              <a:t>Viktorija</a:t>
-            </a:r>
-            <a:r>
-              <a:rPr lang="en-US" dirty="0"/>
-              <a:t> </a:t>
-            </a:r>
-            <a:r>
-              <a:rPr lang="en-US" dirty="0" smtClean="0"/>
-              <a:t>)</a:t>
+              <a:t>Finish what is missing from this week</a:t>
             </a:r>
           </a:p>
           <a:p>
@@ -3956,16 +4071,16 @@
               <a:buChar char="Ø"/>
             </a:pPr>
             <a:r>
-              <a:rPr lang="en-US" dirty="0" err="1" smtClean="0"/>
-              <a:t>Singup</a:t>
-            </a:r>
-            <a:r>
-              <a:rPr lang="en-US" dirty="0" smtClean="0"/>
-              <a:t> and login (</a:t>
-            </a:r>
-            <a:r>
-              <a:rPr lang="en-US" dirty="0" err="1" smtClean="0"/>
-              <a:t>Annamaria</a:t>
+              <a:rPr lang="en-US" dirty="0"/>
+              <a:t>Continuous shuffle playback (</a:t>
+            </a:r>
+            <a:r>
+              <a:rPr lang="en-US" dirty="0" err="1"/>
+              <a:t>Viktorija</a:t>
+            </a:r>
+            <a:r>
+              <a:rPr lang="en-US" dirty="0"/>
+              <a:t> </a:t>
             </a:r>
             <a:r>
               <a:rPr lang="en-US" dirty="0" smtClean="0"/>
@@ -3978,8 +4093,12 @@
               <a:buChar char="Ø"/>
             </a:pPr>
             <a:r>
+              <a:rPr lang="en-US" dirty="0" err="1" smtClean="0"/>
+              <a:t>Singup</a:t>
+            </a:r>
+            <a:r>
               <a:rPr lang="en-US" dirty="0" smtClean="0"/>
-              <a:t>Unified Search (</a:t>
+              <a:t> and login (</a:t>
             </a:r>
             <a:r>
               <a:rPr lang="en-US" dirty="0" err="1" smtClean="0"/>
@@ -3987,7 +4106,7 @@
             </a:r>
             <a:r>
               <a:rPr lang="en-US" dirty="0" smtClean="0"/>
-              <a:t> )</a:t>
+              <a:t>)</a:t>
             </a:r>
           </a:p>
           <a:p>
@@ -3997,7 +4116,27 @@
             </a:pPr>
             <a:r>
               <a:rPr lang="en-US" dirty="0" smtClean="0"/>
-              <a:t>Playlist editor (Umberto)</a:t>
+              <a:t>Unified Search (</a:t>
+            </a:r>
+            <a:r>
+              <a:rPr lang="en-US" dirty="0" err="1" smtClean="0"/>
+              <a:t>Annamaria</a:t>
+            </a:r>
+            <a:r>
+              <a:rPr lang="en-US" dirty="0"/>
+              <a:t> </a:t>
+            </a:r>
+            <a:r>
+              <a:rPr lang="en-US" dirty="0" smtClean="0"/>
+              <a:t>and </a:t>
+            </a:r>
+            <a:r>
+              <a:rPr lang="en-US" dirty="0" err="1" smtClean="0"/>
+              <a:t>Dejan</a:t>
+            </a:r>
+            <a:r>
+              <a:rPr lang="en-US" dirty="0" smtClean="0"/>
+              <a:t> )</a:t>
             </a:r>
           </a:p>
           <a:p>
@@ -4007,9 +4146,18 @@
             </a:pPr>
             <a:r>
               <a:rPr lang="en-US" dirty="0" smtClean="0"/>
+              <a:t>Playlist editor (Umberto)</a:t>
+            </a:r>
+          </a:p>
+          <a:p>
+            <a:pPr>
+              <a:buFont typeface="Wingdings" charset="2"/>
+              <a:buChar char="Ø"/>
+            </a:pPr>
+            <a:r>
+              <a:rPr lang="en-US" dirty="0" smtClean="0"/>
               <a:t>New Track Upload (Jelena)</a:t>
             </a:r>
-            <a:endParaRPr lang="en-US" dirty="0"/>
           </a:p>
         </p:txBody>
       </p:sp>
@@ -4023,6 +4171,13 @@
   <p:clrMapOvr>
     <a:masterClrMapping/>
   </p:clrMapOvr>
+  <p:timing>
+    <p:tnLst>
+      <p:par>
+        <p:cTn xmlns:p14="http://schemas.microsoft.com/office/powerpoint/2010/main" id="1" dur="indefinite" restart="never" nodeType="tmRoot"/>
+      </p:par>
+    </p:tnLst>
+  </p:timing>
 </p:sld>
 </file>
 
@@ -4081,6 +4236,13 @@
   <p:clrMapOvr>
     <a:masterClrMapping/>
   </p:clrMapOvr>
+  <p:timing>
+    <p:tnLst>
+      <p:par>
+        <p:cTn xmlns:p14="http://schemas.microsoft.com/office/powerpoint/2010/main" id="1" dur="indefinite" restart="never" nodeType="tmRoot"/>
+      </p:par>
+    </p:tnLst>
+  </p:timing>
 </p:sld>
 </file>
 
